--- a/Slide/China and Japan.pptx
+++ b/Slide/China and Japan.pptx
@@ -104,6 +104,11 @@
       </a:defRPr>
     </a:lvl9pPr>
   </p:defaultTextStyle>
+  <p:extLst>
+    <p:ext uri="{EFAFB233-063F-42B5-8137-9DF3F51BA10A}">
+      <p15:sldGuideLst xmlns:p15="http://schemas.microsoft.com/office/powerpoint/2012/main"/>
+    </p:ext>
+  </p:extLst>
 </p:presentation>
 </file>
 
@@ -254,7 +259,7 @@
           <a:p>
             <a:fld id="{2C765343-5D43-4EEF-9673-DD0605AC7592}" type="datetimeFigureOut">
               <a:rPr lang="en-US" smtClean="0"/>
-              <a:t>6/7/2020</a:t>
+              <a:t>6/9/2020</a:t>
             </a:fld>
             <a:endParaRPr lang="en-US"/>
           </a:p>
@@ -452,7 +457,7 @@
           <a:p>
             <a:fld id="{2C765343-5D43-4EEF-9673-DD0605AC7592}" type="datetimeFigureOut">
               <a:rPr lang="en-US" smtClean="0"/>
-              <a:t>6/7/2020</a:t>
+              <a:t>6/9/2020</a:t>
             </a:fld>
             <a:endParaRPr lang="en-US"/>
           </a:p>
@@ -660,7 +665,7 @@
           <a:p>
             <a:fld id="{2C765343-5D43-4EEF-9673-DD0605AC7592}" type="datetimeFigureOut">
               <a:rPr lang="en-US" smtClean="0"/>
-              <a:t>6/7/2020</a:t>
+              <a:t>6/9/2020</a:t>
             </a:fld>
             <a:endParaRPr lang="en-US"/>
           </a:p>
@@ -858,7 +863,7 @@
           <a:p>
             <a:fld id="{2C765343-5D43-4EEF-9673-DD0605AC7592}" type="datetimeFigureOut">
               <a:rPr lang="en-US" smtClean="0"/>
-              <a:t>6/7/2020</a:t>
+              <a:t>6/9/2020</a:t>
             </a:fld>
             <a:endParaRPr lang="en-US"/>
           </a:p>
@@ -1133,7 +1138,7 @@
           <a:p>
             <a:fld id="{2C765343-5D43-4EEF-9673-DD0605AC7592}" type="datetimeFigureOut">
               <a:rPr lang="en-US" smtClean="0"/>
-              <a:t>6/7/2020</a:t>
+              <a:t>6/9/2020</a:t>
             </a:fld>
             <a:endParaRPr lang="en-US"/>
           </a:p>
@@ -1398,7 +1403,7 @@
           <a:p>
             <a:fld id="{2C765343-5D43-4EEF-9673-DD0605AC7592}" type="datetimeFigureOut">
               <a:rPr lang="en-US" smtClean="0"/>
-              <a:t>6/7/2020</a:t>
+              <a:t>6/9/2020</a:t>
             </a:fld>
             <a:endParaRPr lang="en-US"/>
           </a:p>
@@ -1810,7 +1815,7 @@
           <a:p>
             <a:fld id="{2C765343-5D43-4EEF-9673-DD0605AC7592}" type="datetimeFigureOut">
               <a:rPr lang="en-US" smtClean="0"/>
-              <a:t>6/7/2020</a:t>
+              <a:t>6/9/2020</a:t>
             </a:fld>
             <a:endParaRPr lang="en-US"/>
           </a:p>
@@ -1951,7 +1956,7 @@
           <a:p>
             <a:fld id="{2C765343-5D43-4EEF-9673-DD0605AC7592}" type="datetimeFigureOut">
               <a:rPr lang="en-US" smtClean="0"/>
-              <a:t>6/7/2020</a:t>
+              <a:t>6/9/2020</a:t>
             </a:fld>
             <a:endParaRPr lang="en-US"/>
           </a:p>
@@ -2064,7 +2069,7 @@
           <a:p>
             <a:fld id="{2C765343-5D43-4EEF-9673-DD0605AC7592}" type="datetimeFigureOut">
               <a:rPr lang="en-US" smtClean="0"/>
-              <a:t>6/7/2020</a:t>
+              <a:t>6/9/2020</a:t>
             </a:fld>
             <a:endParaRPr lang="en-US"/>
           </a:p>
@@ -2375,7 +2380,7 @@
           <a:p>
             <a:fld id="{2C765343-5D43-4EEF-9673-DD0605AC7592}" type="datetimeFigureOut">
               <a:rPr lang="en-US" smtClean="0"/>
-              <a:t>6/7/2020</a:t>
+              <a:t>6/9/2020</a:t>
             </a:fld>
             <a:endParaRPr lang="en-US"/>
           </a:p>
@@ -2663,7 +2668,7 @@
           <a:p>
             <a:fld id="{2C765343-5D43-4EEF-9673-DD0605AC7592}" type="datetimeFigureOut">
               <a:rPr lang="en-US" smtClean="0"/>
-              <a:t>6/7/2020</a:t>
+              <a:t>6/9/2020</a:t>
             </a:fld>
             <a:endParaRPr lang="en-US"/>
           </a:p>
@@ -2904,7 +2909,7 @@
           <a:p>
             <a:fld id="{2C765343-5D43-4EEF-9673-DD0605AC7592}" type="datetimeFigureOut">
               <a:rPr lang="en-US" smtClean="0"/>
-              <a:t>6/7/2020</a:t>
+              <a:t>6/9/2020</a:t>
             </a:fld>
             <a:endParaRPr lang="en-US"/>
           </a:p>
@@ -4007,6 +4012,7 @@
         </p:nvPicPr>
         <p:blipFill>
           <a:blip r:embed="rId2">
+            <a:alphaModFix amt="15000"/>
             <a:extLst>
               <a:ext uri="{28A0092B-C50C-407E-A947-70E740481C1C}">
                 <a14:useLocalDpi xmlns:a14="http://schemas.microsoft.com/office/drawing/2010/main" val="0"/>
@@ -4019,8 +4025,8 @@
         </p:blipFill>
         <p:spPr>
           <a:xfrm>
-            <a:off x="768253" y="981932"/>
-            <a:ext cx="6569449" cy="4371669"/>
+            <a:off x="-14288" y="0"/>
+            <a:ext cx="12220790" cy="6858000"/>
           </a:xfrm>
           <a:prstGeom prst="rect">
             <a:avLst/>
@@ -4029,10 +4035,10 @@
       </p:pic>
       <p:sp>
         <p:nvSpPr>
-          <p:cNvPr id="6" name="TextBox 5">
-            <a:extLst>
-              <a:ext uri="{FF2B5EF4-FFF2-40B4-BE49-F238E27FC236}">
-                <a16:creationId xmlns:a16="http://schemas.microsoft.com/office/drawing/2014/main" id="{F8F091BE-04C2-4400-BBB4-1B768E88B838}"/>
+          <p:cNvPr id="7" name="TextBox 6">
+            <a:extLst>
+              <a:ext uri="{FF2B5EF4-FFF2-40B4-BE49-F238E27FC236}">
+                <a16:creationId xmlns:a16="http://schemas.microsoft.com/office/drawing/2014/main" id="{04FABDD7-6122-40C0-A5A4-036199D2890C}"/>
               </a:ext>
             </a:extLst>
           </p:cNvPr>
@@ -4041,7 +4047,7 @@
         </p:nvSpPr>
         <p:spPr>
           <a:xfrm>
-            <a:off x="579739" y="5353601"/>
+            <a:off x="2422187" y="5817625"/>
             <a:ext cx="6946476" cy="830997"/>
           </a:xfrm>
           <a:prstGeom prst="rect">
@@ -4353,6 +4359,95 @@
               </a:rPr>
               <a:t>)</a:t>
             </a:r>
+          </a:p>
+        </p:txBody>
+      </p:sp>
+      <p:pic>
+        <p:nvPicPr>
+          <p:cNvPr id="3" name="Picture 2" descr="A group of people posing for the camera&#10;&#10;Description automatically generated">
+            <a:extLst>
+              <a:ext uri="{FF2B5EF4-FFF2-40B4-BE49-F238E27FC236}">
+                <a16:creationId xmlns:a16="http://schemas.microsoft.com/office/drawing/2014/main" id="{3BF47B47-825C-4141-B4A6-3C6A43303F09}"/>
+              </a:ext>
+            </a:extLst>
+          </p:cNvPr>
+          <p:cNvPicPr>
+            <a:picLocks noChangeAspect="1"/>
+          </p:cNvPicPr>
+          <p:nvPr/>
+        </p:nvPicPr>
+        <p:blipFill>
+          <a:blip r:embed="rId2">
+            <a:extLst>
+              <a:ext uri="{28A0092B-C50C-407E-A947-70E740481C1C}">
+                <a14:useLocalDpi xmlns:a14="http://schemas.microsoft.com/office/drawing/2010/main" val="0"/>
+              </a:ext>
+            </a:extLst>
+          </a:blip>
+          <a:stretch>
+            <a:fillRect/>
+          </a:stretch>
+        </p:blipFill>
+        <p:spPr>
+          <a:xfrm>
+            <a:off x="1270000" y="209378"/>
+            <a:ext cx="9652000" cy="5109981"/>
+          </a:xfrm>
+          <a:prstGeom prst="rect">
+            <a:avLst/>
+          </a:prstGeom>
+        </p:spPr>
+      </p:pic>
+      <p:sp>
+        <p:nvSpPr>
+          <p:cNvPr id="2" name="Action Button: Go Back or Previous 1">
+            <a:hlinkClick r:id="rId3" action="ppaction://hlinkpres?slideindex=2&amp;slidetitle=PowerPoint Presentation" highlightClick="1"/>
+            <a:extLst>
+              <a:ext uri="{FF2B5EF4-FFF2-40B4-BE49-F238E27FC236}">
+                <a16:creationId xmlns:a16="http://schemas.microsoft.com/office/drawing/2014/main" id="{BB217EC7-BE4D-43AF-BC17-C8B9312A910A}"/>
+              </a:ext>
+            </a:extLst>
+          </p:cNvPr>
+          <p:cNvSpPr/>
+          <p:nvPr/>
+        </p:nvSpPr>
+        <p:spPr>
+          <a:xfrm>
+            <a:off x="11860560" y="6615113"/>
+            <a:ext cx="345942" cy="233534"/>
+          </a:xfrm>
+          <a:prstGeom prst="actionButtonBackPrevious">
+            <a:avLst/>
+          </a:prstGeom>
+          <a:solidFill>
+            <a:srgbClr val="C29A74"/>
+          </a:solidFill>
+          <a:ln>
+            <a:noFill/>
+          </a:ln>
+        </p:spPr>
+        <p:style>
+          <a:lnRef idx="2">
+            <a:schemeClr val="accent1">
+              <a:shade val="50000"/>
+            </a:schemeClr>
+          </a:lnRef>
+          <a:fillRef idx="1">
+            <a:schemeClr val="accent1"/>
+          </a:fillRef>
+          <a:effectRef idx="0">
+            <a:schemeClr val="accent1"/>
+          </a:effectRef>
+          <a:fontRef idx="minor">
+            <a:schemeClr val="lt1"/>
+          </a:fontRef>
+        </p:style>
+        <p:txBody>
+          <a:bodyPr rtlCol="0" anchor="ctr"/>
+          <a:lstStyle/>
+          <a:p>
+            <a:pPr algn="ctr"/>
+            <a:endParaRPr lang="en-US"/>
           </a:p>
         </p:txBody>
       </p:sp>
